--- a/training-cards/music moves/Pairing (PAI)/ger/apprentice/ger_PAI_01_Aufmerksamkeit_schenken_MM_A.pptx
+++ b/training-cards/music moves/Pairing (PAI)/ger/apprentice/ger_PAI_01_Aufmerksamkeit_schenken_MM_A.pptx
@@ -548,26 +548,7 @@
                 <a:cs typeface="Avenir Light"/>
                 <a:sym typeface="Calibri"/>
               </a:rPr>
-              <a:t>To view a copy of this license, visit </a:t>
-            </a:r>
-            <a:r>
-              <a:rPr sz="600" dirty="0">
-                <a:latin typeface="Avenir Light"/>
-                <a:ea typeface="Calibri"/>
-                <a:cs typeface="Avenir Light"/>
-                <a:sym typeface="Calibri"/>
-                <a:hlinkClick r:id="rId4"/>
-              </a:rPr>
-              <a:t>http://creativecommons.org/licenses/by-nc-nd/4.0/</a:t>
-            </a:r>
-            <a:r>
-              <a:rPr sz="600" dirty="0">
-                <a:latin typeface="Avenir Light"/>
-                <a:ea typeface="Calibri"/>
-                <a:cs typeface="Avenir Light"/>
-                <a:sym typeface="Calibri"/>
-              </a:rPr>
-              <a:t>.</a:t>
+              <a:t>To view a copy of this license, visit http://creativecommons.org/licenses/by-nc-nd/4.0/.</a:t>
             </a:r>
           </a:p>
         </p:txBody>
@@ -579,7 +560,7 @@
           <p:nvPr userDrawn="1"/>
         </p:nvPicPr>
         <p:blipFill>
-          <a:blip r:embed="rId5">
+          <a:blip r:embed="rId4">
             <a:extLst/>
           </a:blip>
           <a:stretch>
@@ -1708,7 +1689,6 @@
               <a:rPr lang="de-DE" sz="1200" dirty="0"/>
               <a:t>Durch die Aufmerksamkeit, die der Navigator dem Piloten beim Üben schenkt, entsteht eine gute Grundspannung, die positive Auswirkungen auf die Qualität, die Effizienz, den Spaß beim Üben und die Verbreitung von Erfahrung und Wissen haben kann.</a:t>
             </a:r>
-            <a:endParaRPr lang="de-DE" sz="1200" dirty="0"/>
           </a:p>
         </p:txBody>
       </p:sp>

--- a/training-cards/music moves/Pairing (PAI)/ger/apprentice/ger_PAI_01_Aufmerksamkeit_schenken_MM_A.pptx
+++ b/training-cards/music moves/Pairing (PAI)/ger/apprentice/ger_PAI_01_Aufmerksamkeit_schenken_MM_A.pptx
@@ -105,6 +105,22 @@
       </a:defRPr>
     </a:lvl9pPr>
   </p:defaultTextStyle>
+  <p:extLst>
+    <p:ext uri="{EFAFB233-063F-42B5-8137-9DF3F51BA10A}">
+      <p15:sldGuideLst xmlns:p15="http://schemas.microsoft.com/office/powerpoint/2012/main">
+        <p15:guide id="1" orient="horz" pos="652">
+          <p15:clr>
+            <a:srgbClr val="A4A3A4"/>
+          </p15:clr>
+        </p15:guide>
+        <p15:guide id="2">
+          <p15:clr>
+            <a:srgbClr val="A4A3A4"/>
+          </p15:clr>
+        </p15:guide>
+      </p15:sldGuideLst>
+    </p:ext>
+  </p:extLst>
 </p:presentation>
 </file>
 
@@ -153,10 +169,9 @@
           </a:lstStyle>
           <a:p>
             <a:r>
-              <a:rPr lang="de-DE" dirty="0" smtClean="0"/>
+              <a:rPr lang="de-DE" dirty="0"/>
               <a:t>TITEL HINZUFÜGEN</a:t>
             </a:r>
-            <a:endParaRPr lang="de-DE" dirty="0"/>
           </a:p>
         </p:txBody>
       </p:sp>
@@ -187,35 +202,35 @@
           <a:p>
             <a:pPr lvl="0"/>
             <a:r>
-              <a:rPr lang="de-DE" smtClean="0"/>
+              <a:rPr lang="de-DE"/>
               <a:t>Mastertextformat bearbeiten</a:t>
             </a:r>
           </a:p>
           <a:p>
             <a:pPr lvl="1"/>
             <a:r>
-              <a:rPr lang="de-DE" smtClean="0"/>
+              <a:rPr lang="de-DE"/>
               <a:t>Zweite Ebene</a:t>
             </a:r>
           </a:p>
           <a:p>
             <a:pPr lvl="2"/>
             <a:r>
-              <a:rPr lang="de-DE" smtClean="0"/>
+              <a:rPr lang="de-DE"/>
               <a:t>Dritte Ebene</a:t>
             </a:r>
           </a:p>
           <a:p>
             <a:pPr lvl="3"/>
             <a:r>
-              <a:rPr lang="de-DE" smtClean="0"/>
+              <a:rPr lang="de-DE"/>
               <a:t>Vierte Ebene</a:t>
             </a:r>
           </a:p>
           <a:p>
             <a:pPr lvl="4"/>
             <a:r>
-              <a:rPr lang="de-DE" smtClean="0"/>
+              <a:rPr lang="de-DE"/>
               <a:t>Fünfte Ebene</a:t>
             </a:r>
             <a:endParaRPr lang="de-DE" dirty="0"/>
@@ -262,7 +277,7 @@
               <a:buNone/>
             </a:pPr>
             <a:r>
-              <a:rPr lang="de-DE" smtClean="0"/>
+              <a:rPr lang="de-DE"/>
               <a:t>Master-Untertitelformat bearbeiten</a:t>
             </a:r>
             <a:endParaRPr lang="de-DE" dirty="0"/>
@@ -378,35 +393,35 @@
           <a:p>
             <a:pPr lvl="0"/>
             <a:r>
-              <a:rPr lang="de-DE" smtClean="0"/>
+              <a:rPr lang="de-DE"/>
               <a:t>Mastertextformat bearbeiten</a:t>
             </a:r>
           </a:p>
           <a:p>
             <a:pPr lvl="1"/>
             <a:r>
-              <a:rPr lang="de-DE" smtClean="0"/>
+              <a:rPr lang="de-DE"/>
               <a:t>Zweite Ebene</a:t>
             </a:r>
           </a:p>
           <a:p>
             <a:pPr lvl="2"/>
             <a:r>
-              <a:rPr lang="de-DE" smtClean="0"/>
+              <a:rPr lang="de-DE"/>
               <a:t>Dritte Ebene</a:t>
             </a:r>
           </a:p>
           <a:p>
             <a:pPr lvl="3"/>
             <a:r>
-              <a:rPr lang="de-DE" smtClean="0"/>
+              <a:rPr lang="de-DE"/>
               <a:t>Vierte Ebene</a:t>
             </a:r>
           </a:p>
           <a:p>
             <a:pPr lvl="4"/>
             <a:r>
-              <a:rPr lang="de-DE" smtClean="0"/>
+              <a:rPr lang="de-DE"/>
               <a:t>Fünfte Ebene</a:t>
             </a:r>
             <a:endParaRPr lang="de-DE" dirty="0"/>
@@ -436,7 +451,7 @@
           <a:lstStyle/>
           <a:p>
             <a:r>
-              <a:rPr lang="de-DE" sz="2400" dirty="0" smtClean="0">
+              <a:rPr lang="de-DE" sz="2400" dirty="0">
                 <a:solidFill>
                   <a:srgbClr val="7E006B"/>
                 </a:solidFill>
@@ -446,7 +461,7 @@
               <a:t>TR	AININGS</a:t>
             </a:r>
             <a:r>
-              <a:rPr lang="de-DE" sz="2400" dirty="0" smtClean="0">
+              <a:rPr lang="de-DE" sz="2400" dirty="0">
                 <a:solidFill>
                   <a:srgbClr val="7E006B"/>
                 </a:solidFill>
@@ -514,7 +529,7 @@
           </a:ln>
           <a:extLst>
             <a:ext uri="{C572A759-6A51-4108-AA02-DFA0A04FC94B}">
-              <ma14:wrappingTextBoxFlag xmlns:ma14="http://schemas.microsoft.com/office/mac/drawingml/2011/main" val="1"/>
+              <ma14:wrappingTextBoxFlag xmlns:ma14="http://schemas.microsoft.com/office/mac/drawingml/2011/main" xmlns="" val="1"/>
             </a:ext>
           </a:extLst>
         </p:spPr>
@@ -620,7 +635,7 @@
                 <a:latin typeface="Avenir Light"/>
                 <a:cs typeface="Avenir Light"/>
               </a:rPr>
-              <a:t>08.11.15</a:t>
+              <a:t>03.09.18</a:t>
             </a:fld>
             <a:endParaRPr lang="de-DE" sz="600" dirty="0">
               <a:solidFill>
@@ -678,10 +693,9 @@
           <a:lstStyle/>
           <a:p>
             <a:r>
-              <a:rPr lang="de-DE" smtClean="0"/>
+              <a:rPr lang="de-DE"/>
               <a:t>Mastertitelformat bearbeiten</a:t>
             </a:r>
-            <a:endParaRPr lang="de-DE"/>
           </a:p>
         </p:txBody>
       </p:sp>
@@ -702,7 +716,7 @@
           <a:p>
             <a:fld id="{FF5B2BAF-DF38-0A48-A798-0C06E514FD52}" type="datetimeFigureOut">
               <a:rPr lang="de-DE" smtClean="0"/>
-              <a:t>08.11.15</a:t>
+              <a:t>03.09.18</a:t>
             </a:fld>
             <a:endParaRPr lang="de-DE" dirty="0"/>
           </a:p>
@@ -813,17 +827,16 @@
           <a:p>
             <a:pPr marL="0" lvl="0" algn="l"/>
             <a:r>
-              <a:rPr lang="de-DE" dirty="0" smtClean="0"/>
+              <a:rPr lang="de-DE" dirty="0"/>
               <a:t>Überschrift </a:t>
             </a:r>
             <a:br>
-              <a:rPr lang="de-DE" dirty="0" smtClean="0"/>
+              <a:rPr lang="de-DE" dirty="0"/>
             </a:br>
             <a:r>
-              <a:rPr lang="de-DE" dirty="0" smtClean="0"/>
+              <a:rPr lang="de-DE" dirty="0"/>
               <a:t>bearbeiten </a:t>
             </a:r>
-            <a:endParaRPr lang="de-DE" dirty="0"/>
           </a:p>
         </p:txBody>
       </p:sp>
@@ -854,38 +867,37 @@
           <a:p>
             <a:pPr lvl="0"/>
             <a:r>
-              <a:rPr lang="de-DE" dirty="0" smtClean="0"/>
+              <a:rPr lang="de-DE" dirty="0"/>
               <a:t>Mastertextformat bearbeiten</a:t>
             </a:r>
           </a:p>
           <a:p>
             <a:pPr lvl="1"/>
             <a:r>
-              <a:rPr lang="de-DE" dirty="0" smtClean="0"/>
+              <a:rPr lang="de-DE" dirty="0"/>
               <a:t>Zweite Ebene</a:t>
             </a:r>
           </a:p>
           <a:p>
             <a:pPr lvl="2"/>
             <a:r>
-              <a:rPr lang="de-DE" dirty="0" smtClean="0"/>
+              <a:rPr lang="de-DE" dirty="0"/>
               <a:t>Dritte Ebene</a:t>
             </a:r>
           </a:p>
           <a:p>
             <a:pPr lvl="3"/>
             <a:r>
-              <a:rPr lang="de-DE" dirty="0" smtClean="0"/>
+              <a:rPr lang="de-DE" dirty="0"/>
               <a:t>Vierte Ebene</a:t>
             </a:r>
           </a:p>
           <a:p>
             <a:pPr lvl="4"/>
             <a:r>
-              <a:rPr lang="de-DE" dirty="0" smtClean="0"/>
+              <a:rPr lang="de-DE" dirty="0"/>
               <a:t>Fünfte Ebene</a:t>
             </a:r>
-            <a:endParaRPr lang="de-DE" dirty="0"/>
           </a:p>
         </p:txBody>
       </p:sp>
@@ -924,7 +936,7 @@
           <a:p>
             <a:fld id="{FF5B2BAF-DF38-0A48-A798-0C06E514FD52}" type="datetimeFigureOut">
               <a:rPr lang="de-DE" smtClean="0"/>
-              <a:t>08.11.15</a:t>
+              <a:t>03.09.18</a:t>
             </a:fld>
             <a:endParaRPr lang="de-DE" dirty="0"/>
           </a:p>
@@ -1158,7 +1170,7 @@
           <a:lstStyle/>
           <a:p>
             <a:r>
-              <a:rPr lang="de-DE" sz="1050" b="1" dirty="0" smtClean="0">
+              <a:rPr lang="de-DE" sz="1050" b="1" dirty="0">
                 <a:solidFill>
                   <a:schemeClr val="bg1"/>
                 </a:solidFill>
@@ -1168,7 +1180,7 @@
               <a:t>TRAININGSKARTE</a:t>
             </a:r>
             <a:r>
-              <a:rPr lang="de-DE" sz="1050" dirty="0" smtClean="0">
+              <a:rPr lang="de-DE" sz="1050" dirty="0">
                 <a:solidFill>
                   <a:schemeClr val="bg1"/>
                 </a:solidFill>
@@ -1178,7 +1190,7 @@
               <a:t> </a:t>
             </a:r>
             <a:r>
-              <a:rPr lang="de-DE" sz="1050" b="1" dirty="0" smtClean="0">
+              <a:rPr lang="de-DE" sz="1050" b="1" dirty="0">
                 <a:solidFill>
                   <a:schemeClr val="bg1"/>
                 </a:solidFill>
@@ -1187,13 +1199,6 @@
               </a:rPr>
               <a:t>PAI 01</a:t>
             </a:r>
-            <a:endParaRPr lang="de-DE" sz="1050" b="1" dirty="0">
-              <a:solidFill>
-                <a:schemeClr val="bg1"/>
-              </a:solidFill>
-              <a:latin typeface="Avenir Heavy"/>
-              <a:cs typeface="Avenir Heavy"/>
-            </a:endParaRPr>
           </a:p>
         </p:txBody>
       </p:sp>
@@ -1576,17 +1581,16 @@
           <a:lstStyle/>
           <a:p>
             <a:r>
-              <a:rPr lang="de-DE" dirty="0" smtClean="0">
+              <a:rPr lang="de-DE" dirty="0">
                 <a:latin typeface="Avenir Heavy"/>
                 <a:cs typeface="Avenir Heavy"/>
               </a:rPr>
               <a:t>AUFMERKSAMKEIT</a:t>
             </a:r>
             <a:r>
-              <a:rPr lang="de-DE" dirty="0" smtClean="0"/>
+              <a:rPr lang="de-DE" dirty="0"/>
               <a:t> SCHENKEN</a:t>
             </a:r>
-            <a:endParaRPr lang="de-DE" dirty="0"/>
           </a:p>
         </p:txBody>
       </p:sp>
@@ -1631,15 +1635,7 @@
           <a:p>
             <a:r>
               <a:rPr lang="de-DE" sz="1200" dirty="0"/>
-              <a:t>Die Zeit, die man zu zweit verbringt, ist sehr wertvoll. Es empfiehlt sich vorher ein Ende der </a:t>
-            </a:r>
-            <a:r>
-              <a:rPr lang="de-DE" sz="1200" dirty="0" err="1"/>
-              <a:t>Übeeinheit</a:t>
-            </a:r>
-            <a:r>
-              <a:rPr lang="de-DE" sz="1200" dirty="0"/>
-              <a:t> zu definieren und einen </a:t>
+              <a:t>Die Zeit, die man zu zweit verbringt, ist sehr wertvoll. Es empfiehlt sich vorher ein Ende der Übe-Einheit zu definieren und einen </a:t>
             </a:r>
             <a:r>
               <a:rPr lang="de-DE" sz="1200" dirty="0" err="1"/>
@@ -1647,15 +1643,7 @@
             </a:r>
             <a:r>
               <a:rPr lang="de-DE" sz="1200" dirty="0"/>
-              <a:t> mitlaufen zu lassen. Es bietet sich an diesen Move mit der Tomatentechnik (siehe </a:t>
-            </a:r>
-            <a:r>
-              <a:rPr lang="de-DE" sz="1200" dirty="0" smtClean="0"/>
-              <a:t>TOM 08</a:t>
-            </a:r>
-            <a:r>
-              <a:rPr lang="de-DE" sz="1200" dirty="0"/>
-              <a:t>) zu kombinieren.  </a:t>
+              <a:t> mitlaufen zu lassen. Es bietet sich an diesen Move mit der Tomatentechnik (siehe TOM 08) zu kombinieren.  </a:t>
             </a:r>
           </a:p>
           <a:p>
@@ -1671,7 +1659,7 @@
             </a:r>
             <a:r>
               <a:rPr lang="de-DE" sz="1200" dirty="0" err="1"/>
-              <a:t>Pilotes</a:t>
+              <a:t>Pilots</a:t>
             </a:r>
             <a:r>
               <a:rPr lang="de-DE" sz="1200" dirty="0"/>
@@ -1711,10 +1699,9 @@
               <a:buNone/>
             </a:pPr>
             <a:r>
-              <a:rPr lang="de-DE" dirty="0" smtClean="0"/>
+              <a:rPr lang="de-DE" dirty="0"/>
               <a:t>Regina Brandhuber</a:t>
             </a:r>
-            <a:endParaRPr lang="de-DE" dirty="0"/>
           </a:p>
         </p:txBody>
       </p:sp>
@@ -1771,15 +1758,7 @@
           <a:p>
             <a:r>
               <a:rPr lang="de-DE" dirty="0"/>
-              <a:t>Setzt eine Zeitspanne von mindestens 25 Minuten oder länger pro </a:t>
-            </a:r>
-            <a:r>
-              <a:rPr lang="de-DE" dirty="0" err="1"/>
-              <a:t>Übeeinheit</a:t>
-            </a:r>
-            <a:r>
-              <a:rPr lang="de-DE" dirty="0"/>
-              <a:t> an. </a:t>
+              <a:t>Setzt eine Zeitspanne von mindestens 25 Minuten oder länger pro Übe-Einheit an. </a:t>
             </a:r>
           </a:p>
           <a:p>
@@ -1805,44 +1784,6 @@
               <a:rPr lang="de-DE" dirty="0"/>
               <a:t>Am Ende der 2 Wochen gibt es 4 Erlebnisprotokolle.</a:t>
             </a:r>
-          </a:p>
-          <a:p>
-            <a:r>
-              <a:rPr lang="de-DE" dirty="0"/>
-              <a:t>Pilot und Navigator können sich nicht gegenseitig zertifizieren, sondern </a:t>
-            </a:r>
-            <a:r>
-              <a:rPr lang="de-DE" dirty="0" smtClean="0"/>
-              <a:t/>
-            </a:r>
-            <a:br>
-              <a:rPr lang="de-DE" dirty="0" smtClean="0"/>
-            </a:br>
-            <a:r>
-              <a:rPr lang="de-DE" dirty="0" smtClean="0"/>
-              <a:t>müssen </a:t>
-            </a:r>
-            <a:r>
-              <a:rPr lang="de-DE" dirty="0"/>
-              <a:t>von 2 zusätzlichen </a:t>
-            </a:r>
-            <a:r>
-              <a:rPr lang="de-DE" dirty="0" err="1"/>
-              <a:t>Reviewern</a:t>
-            </a:r>
-            <a:r>
-              <a:rPr lang="de-DE" dirty="0"/>
-              <a:t> </a:t>
-            </a:r>
-            <a:r>
-              <a:rPr lang="de-DE"/>
-              <a:t>zertifiziert </a:t>
-            </a:r>
-            <a:r>
-              <a:rPr lang="de-DE" smtClean="0"/>
-              <a:t>werden.</a:t>
-            </a:r>
-            <a:endParaRPr lang="de-DE" dirty="0"/>
           </a:p>
         </p:txBody>
       </p:sp>

--- a/training-cards/music moves/Pairing (PAI)/ger/apprentice/ger_PAI_01_Aufmerksamkeit_schenken_MM_A.pptx
+++ b/training-cards/music moves/Pairing (PAI)/ger/apprentice/ger_PAI_01_Aufmerksamkeit_schenken_MM_A.pptx
@@ -512,14 +512,20 @@
       </p:pic>
       <p:sp>
         <p:nvSpPr>
-          <p:cNvPr id="5" name="Shape 7"/>
+          <p:cNvPr id="4" name="Shape 7">
+            <a:extLst>
+              <a:ext uri="{FF2B5EF4-FFF2-40B4-BE49-F238E27FC236}">
+                <a16:creationId xmlns:a16="http://schemas.microsoft.com/office/drawing/2014/main" id="{B6137432-719E-C405-885B-043581D41A03}"/>
+              </a:ext>
+            </a:extLst>
+          </p:cNvPr>
           <p:cNvSpPr/>
           <p:nvPr userDrawn="1"/>
         </p:nvSpPr>
         <p:spPr>
           <a:xfrm>
-            <a:off x="1683417" y="4952581"/>
-            <a:ext cx="4196016" cy="276995"/>
+            <a:off x="971550" y="4689585"/>
+            <a:ext cx="4691860" cy="461661"/>
           </a:xfrm>
           <a:prstGeom prst="rect">
             <a:avLst/>
@@ -529,12 +535,12 @@
           </a:ln>
           <a:extLst>
             <a:ext uri="{C572A759-6A51-4108-AA02-DFA0A04FC94B}">
-              <ma14:wrappingTextBoxFlag xmlns:ma14="http://schemas.microsoft.com/office/mac/drawingml/2011/main" xmlns="" val="1"/>
+              <ma14:wrappingTextBoxFlag xmlns="" xmlns:ma14="http://schemas.microsoft.com/office/mac/drawingml/2011/main" val="1"/>
             </a:ext>
           </a:extLst>
         </p:spPr>
         <p:txBody>
-          <a:bodyPr wrap="none" lIns="45718" tIns="45718" rIns="45718" bIns="45718">
+          <a:bodyPr wrap="square" lIns="45718" tIns="45718" rIns="45718" bIns="45718">
             <a:spAutoFit/>
           </a:bodyPr>
           <a:lstStyle/>
@@ -543,49 +549,266 @@
               <a:defRPr sz="1800"/>
             </a:pPr>
             <a:r>
-              <a:rPr sz="600" dirty="0">
-                <a:latin typeface="Avenir Light"/>
+              <a:rPr lang="de-DE" sz="800" b="0" i="0" u="none" strike="noStrike" dirty="0" err="1">
+                <a:solidFill>
+                  <a:schemeClr val="tx1">
+                    <a:lumMod val="65000"/>
+                    <a:lumOff val="35000"/>
+                  </a:schemeClr>
+                </a:solidFill>
+                <a:effectLst/>
+                <a:latin typeface="Avenir Book" panose="02000503020000020003" pitchFamily="2" charset="0"/>
+              </a:rPr>
+              <a:t>music</a:t>
+            </a:r>
+            <a:r>
+              <a:rPr lang="de-DE" sz="800" b="0" i="0" u="none" strike="noStrike" dirty="0">
+                <a:solidFill>
+                  <a:schemeClr val="tx1">
+                    <a:lumMod val="65000"/>
+                    <a:lumOff val="35000"/>
+                  </a:schemeClr>
+                </a:solidFill>
+                <a:effectLst/>
+                <a:latin typeface="Avenir Book" panose="02000503020000020003" pitchFamily="2" charset="0"/>
+              </a:rPr>
+              <a:t> </a:t>
+            </a:r>
+            <a:r>
+              <a:rPr lang="de-DE" sz="800" b="0" i="0" u="none" strike="noStrike" dirty="0" err="1">
+                <a:solidFill>
+                  <a:schemeClr val="tx1">
+                    <a:lumMod val="65000"/>
+                    <a:lumOff val="35000"/>
+                  </a:schemeClr>
+                </a:solidFill>
+                <a:effectLst/>
+                <a:latin typeface="Avenir Book" panose="02000503020000020003" pitchFamily="2" charset="0"/>
+              </a:rPr>
+              <a:t>moves</a:t>
+            </a:r>
+            <a:r>
+              <a:rPr lang="de-DE" sz="800" b="0" i="0" u="none" strike="noStrike" dirty="0">
+                <a:solidFill>
+                  <a:schemeClr val="tx1">
+                    <a:lumMod val="65000"/>
+                    <a:lumOff val="35000"/>
+                  </a:schemeClr>
+                </a:solidFill>
+                <a:effectLst/>
+                <a:latin typeface="Avenir Book" panose="02000503020000020003" pitchFamily="2" charset="0"/>
+              </a:rPr>
+              <a:t>-Trainingskarten von Regina Brandhuber sind lizenziert unter einer Creative Commons </a:t>
+            </a:r>
+          </a:p>
+          <a:p>
+            <a:pPr lvl="0" algn="ctr">
+              <a:defRPr sz="1800"/>
+            </a:pPr>
+            <a:r>
+              <a:rPr lang="de-DE" sz="800" b="0" i="0" u="none" strike="noStrike" dirty="0">
+                <a:solidFill>
+                  <a:schemeClr val="tx1">
+                    <a:lumMod val="65000"/>
+                    <a:lumOff val="35000"/>
+                  </a:schemeClr>
+                </a:solidFill>
+                <a:effectLst/>
+                <a:latin typeface="Avenir Book" panose="02000503020000020003" pitchFamily="2" charset="0"/>
+              </a:rPr>
+              <a:t>Namensnennung-Nicht kommerziell 4.0 International Lizenz.</a:t>
+            </a:r>
+          </a:p>
+          <a:p>
+            <a:pPr lvl="0" algn="ctr">
+              <a:defRPr sz="1800"/>
+            </a:pPr>
+            <a:r>
+              <a:rPr lang="de-DE" sz="800" dirty="0">
+                <a:solidFill>
+                  <a:schemeClr val="tx1">
+                    <a:lumMod val="65000"/>
+                    <a:lumOff val="35000"/>
+                  </a:schemeClr>
+                </a:solidFill>
+                <a:latin typeface="Avenir Book" panose="02000503020000020003" pitchFamily="2" charset="0"/>
                 <a:ea typeface="Calibri"/>
                 <a:cs typeface="Avenir Light"/>
                 <a:sym typeface="Calibri"/>
               </a:rPr>
-              <a:t>This work is licensed under the Creative Commons Attribution-NonCommercial-NoDerivatives 4.0 International License. </a:t>
-            </a:r>
-          </a:p>
-          <a:p>
-            <a:pPr lvl="0" algn="ctr">
-              <a:defRPr sz="1800"/>
-            </a:pPr>
-            <a:r>
-              <a:rPr sz="600" dirty="0">
-                <a:latin typeface="Avenir Light"/>
+              <a:t>Nachzulesen unter:</a:t>
+            </a:r>
+            <a:r>
+              <a:rPr sz="800" dirty="0">
+                <a:solidFill>
+                  <a:schemeClr val="tx1">
+                    <a:lumMod val="65000"/>
+                    <a:lumOff val="35000"/>
+                  </a:schemeClr>
+                </a:solidFill>
+                <a:latin typeface="Avenir Book" panose="02000503020000020003" pitchFamily="2" charset="0"/>
                 <a:ea typeface="Calibri"/>
                 <a:cs typeface="Avenir Light"/>
                 <a:sym typeface="Calibri"/>
               </a:rPr>
-              <a:t>To view a copy of this license, visit http://creativecommons.org/licenses/by-nc-nd/4.0/.</a:t>
-            </a:r>
+              <a:t> </a:t>
+            </a:r>
+            <a:r>
+              <a:rPr lang="de-DE" sz="800" dirty="0">
+                <a:solidFill>
+                  <a:schemeClr val="tx1">
+                    <a:lumMod val="65000"/>
+                    <a:lumOff val="35000"/>
+                  </a:schemeClr>
+                </a:solidFill>
+                <a:latin typeface="Avenir Book" panose="02000503020000020003" pitchFamily="2" charset="0"/>
+                <a:ea typeface="Calibri"/>
+                <a:cs typeface="Avenir Light"/>
+                <a:sym typeface="Calibri"/>
+              </a:rPr>
+              <a:t>https://</a:t>
+            </a:r>
+            <a:r>
+              <a:rPr lang="de-DE" sz="800" dirty="0" err="1">
+                <a:solidFill>
+                  <a:schemeClr val="tx1">
+                    <a:lumMod val="65000"/>
+                    <a:lumOff val="35000"/>
+                  </a:schemeClr>
+                </a:solidFill>
+                <a:latin typeface="Avenir Book" panose="02000503020000020003" pitchFamily="2" charset="0"/>
+                <a:ea typeface="Calibri"/>
+                <a:cs typeface="Avenir Light"/>
+                <a:sym typeface="Calibri"/>
+              </a:rPr>
+              <a:t>creativecommons.org</a:t>
+            </a:r>
+            <a:r>
+              <a:rPr lang="de-DE" sz="800" dirty="0">
+                <a:solidFill>
+                  <a:schemeClr val="tx1">
+                    <a:lumMod val="65000"/>
+                    <a:lumOff val="35000"/>
+                  </a:schemeClr>
+                </a:solidFill>
+                <a:latin typeface="Avenir Book" panose="02000503020000020003" pitchFamily="2" charset="0"/>
+                <a:ea typeface="Calibri"/>
+                <a:cs typeface="Avenir Light"/>
+                <a:sym typeface="Calibri"/>
+              </a:rPr>
+              <a:t>/</a:t>
+            </a:r>
+            <a:r>
+              <a:rPr lang="de-DE" sz="800" dirty="0" err="1">
+                <a:solidFill>
+                  <a:schemeClr val="tx1">
+                    <a:lumMod val="65000"/>
+                    <a:lumOff val="35000"/>
+                  </a:schemeClr>
+                </a:solidFill>
+                <a:latin typeface="Avenir Book" panose="02000503020000020003" pitchFamily="2" charset="0"/>
+                <a:ea typeface="Calibri"/>
+                <a:cs typeface="Avenir Light"/>
+                <a:sym typeface="Calibri"/>
+              </a:rPr>
+              <a:t>licenses</a:t>
+            </a:r>
+            <a:r>
+              <a:rPr lang="de-DE" sz="800" dirty="0">
+                <a:solidFill>
+                  <a:schemeClr val="tx1">
+                    <a:lumMod val="65000"/>
+                    <a:lumOff val="35000"/>
+                  </a:schemeClr>
+                </a:solidFill>
+                <a:latin typeface="Avenir Book" panose="02000503020000020003" pitchFamily="2" charset="0"/>
+                <a:ea typeface="Calibri"/>
+                <a:cs typeface="Avenir Light"/>
+                <a:sym typeface="Calibri"/>
+              </a:rPr>
+              <a:t>/</a:t>
+            </a:r>
+            <a:r>
+              <a:rPr lang="de-DE" sz="800" dirty="0" err="1">
+                <a:solidFill>
+                  <a:schemeClr val="tx1">
+                    <a:lumMod val="65000"/>
+                    <a:lumOff val="35000"/>
+                  </a:schemeClr>
+                </a:solidFill>
+                <a:latin typeface="Avenir Book" panose="02000503020000020003" pitchFamily="2" charset="0"/>
+                <a:ea typeface="Calibri"/>
+                <a:cs typeface="Avenir Light"/>
+                <a:sym typeface="Calibri"/>
+              </a:rPr>
+              <a:t>by-nc</a:t>
+            </a:r>
+            <a:r>
+              <a:rPr lang="de-DE" sz="800" dirty="0">
+                <a:solidFill>
+                  <a:schemeClr val="tx1">
+                    <a:lumMod val="65000"/>
+                    <a:lumOff val="35000"/>
+                  </a:schemeClr>
+                </a:solidFill>
+                <a:latin typeface="Avenir Book" panose="02000503020000020003" pitchFamily="2" charset="0"/>
+                <a:ea typeface="Calibri"/>
+                <a:cs typeface="Avenir Light"/>
+                <a:sym typeface="Calibri"/>
+              </a:rPr>
+              <a:t>/4.0/</a:t>
+            </a:r>
+            <a:r>
+              <a:rPr lang="de-DE" sz="800" dirty="0" err="1">
+                <a:solidFill>
+                  <a:schemeClr val="tx1">
+                    <a:lumMod val="65000"/>
+                    <a:lumOff val="35000"/>
+                  </a:schemeClr>
+                </a:solidFill>
+                <a:latin typeface="Avenir Book" panose="02000503020000020003" pitchFamily="2" charset="0"/>
+                <a:ea typeface="Calibri"/>
+                <a:cs typeface="Avenir Light"/>
+                <a:sym typeface="Calibri"/>
+              </a:rPr>
+              <a:t>deed.de</a:t>
+            </a:r>
+            <a:endParaRPr sz="800" dirty="0">
+              <a:solidFill>
+                <a:schemeClr val="tx1">
+                  <a:lumMod val="65000"/>
+                  <a:lumOff val="35000"/>
+                </a:schemeClr>
+              </a:solidFill>
+              <a:latin typeface="Avenir Book" panose="02000503020000020003" pitchFamily="2" charset="0"/>
+              <a:ea typeface="Calibri"/>
+              <a:cs typeface="Avenir Light"/>
+              <a:sym typeface="Calibri"/>
+            </a:endParaRPr>
           </a:p>
         </p:txBody>
       </p:sp>
       <p:pic>
         <p:nvPicPr>
-          <p:cNvPr id="6" name="pasted-image.tif"/>
+          <p:cNvPr id="8" name="pasted-image.tif">
+            <a:extLst>
+              <a:ext uri="{FF2B5EF4-FFF2-40B4-BE49-F238E27FC236}">
+                <a16:creationId xmlns:a16="http://schemas.microsoft.com/office/drawing/2014/main" id="{B95776FA-5115-DA52-D5BC-119AF3F96150}"/>
+              </a:ext>
+            </a:extLst>
+          </p:cNvPr>
           <p:cNvPicPr/>
           <p:nvPr userDrawn="1"/>
         </p:nvPicPr>
-        <p:blipFill>
-          <a:blip r:embed="rId4">
-            <a:extLst/>
-          </a:blip>
-          <a:stretch>
-            <a:fillRect/>
-          </a:stretch>
+        <p:blipFill rotWithShape="1">
+          <a:blip r:embed="rId4"/>
+          <a:srcRect r="24777" b="-3233"/>
+          <a:stretch/>
         </p:blipFill>
         <p:spPr>
           <a:xfrm>
-            <a:off x="6174185" y="4992838"/>
-            <a:ext cx="886619" cy="214128"/>
+            <a:off x="5724347" y="4733926"/>
+            <a:ext cx="1009828" cy="333374"/>
           </a:xfrm>
           <a:prstGeom prst="rect">
             <a:avLst/>
@@ -595,58 +818,6 @@
           </a:ln>
         </p:spPr>
       </p:pic>
-      <p:sp>
-        <p:nvSpPr>
-          <p:cNvPr id="7" name="Textfeld 6"/>
-          <p:cNvSpPr txBox="1"/>
-          <p:nvPr userDrawn="1"/>
-        </p:nvSpPr>
-        <p:spPr>
-          <a:xfrm>
-            <a:off x="239285" y="4936890"/>
-            <a:ext cx="1044856" cy="276999"/>
-          </a:xfrm>
-          <a:prstGeom prst="rect">
-            <a:avLst/>
-          </a:prstGeom>
-          <a:noFill/>
-        </p:spPr>
-        <p:txBody>
-          <a:bodyPr wrap="square" rtlCol="0">
-            <a:spAutoFit/>
-          </a:bodyPr>
-          <a:lstStyle/>
-          <a:p>
-            <a:r>
-              <a:rPr lang="de-DE" sz="600" dirty="0">
-                <a:solidFill>
-                  <a:srgbClr val="5D5E5F"/>
-                </a:solidFill>
-                <a:latin typeface="Avenir Light"/>
-                <a:cs typeface="Avenir Light"/>
-              </a:rPr>
-              <a:t>Letzte Änderung: </a:t>
-            </a:r>
-            <a:fld id="{7A8C7DAC-E536-564C-B5B3-90E8FAB50562}" type="datetime1">
-              <a:rPr lang="de-DE" sz="600" smtClean="0">
-                <a:solidFill>
-                  <a:srgbClr val="5D5E5F"/>
-                </a:solidFill>
-                <a:latin typeface="Avenir Light"/>
-                <a:cs typeface="Avenir Light"/>
-              </a:rPr>
-              <a:t>03.09.18</a:t>
-            </a:fld>
-            <a:endParaRPr lang="de-DE" sz="600" dirty="0">
-              <a:solidFill>
-                <a:srgbClr val="5D5E5F"/>
-              </a:solidFill>
-              <a:latin typeface="Avenir Light"/>
-              <a:cs typeface="Avenir Light"/>
-            </a:endParaRPr>
-          </a:p>
-        </p:txBody>
-      </p:sp>
     </p:spTree>
     <p:extLst>
       <p:ext uri="{BB962C8B-B14F-4D97-AF65-F5344CB8AC3E}">
@@ -716,7 +887,7 @@
           <a:p>
             <a:fld id="{FF5B2BAF-DF38-0A48-A798-0C06E514FD52}" type="datetimeFigureOut">
               <a:rPr lang="de-DE" smtClean="0"/>
-              <a:t>03.09.18</a:t>
+              <a:t>27.07.23</a:t>
             </a:fld>
             <a:endParaRPr lang="de-DE" dirty="0"/>
           </a:p>
@@ -936,7 +1107,7 @@
           <a:p>
             <a:fld id="{FF5B2BAF-DF38-0A48-A798-0C06E514FD52}" type="datetimeFigureOut">
               <a:rPr lang="de-DE" smtClean="0"/>
-              <a:t>03.09.18</a:t>
+              <a:t>27.07.23</a:t>
             </a:fld>
             <a:endParaRPr lang="de-DE" dirty="0"/>
           </a:p>

--- a/training-cards/music moves/Pairing (PAI)/ger/apprentice/ger_PAI_01_Aufmerksamkeit_schenken_MM_A.pptx
+++ b/training-cards/music moves/Pairing (PAI)/ger/apprentice/ger_PAI_01_Aufmerksamkeit_schenken_MM_A.pptx
@@ -458,7 +458,7 @@
                 <a:latin typeface="Avenir Heavy"/>
                 <a:cs typeface="Avenir Heavy"/>
               </a:rPr>
-              <a:t>TR	AININGS</a:t>
+              <a:t>TRAININGS</a:t>
             </a:r>
             <a:r>
               <a:rPr lang="de-DE" sz="2400" dirty="0">
@@ -887,7 +887,7 @@
           <a:p>
             <a:fld id="{FF5B2BAF-DF38-0A48-A798-0C06E514FD52}" type="datetimeFigureOut">
               <a:rPr lang="de-DE" smtClean="0"/>
-              <a:t>27.07.23</a:t>
+              <a:t>09.03.25</a:t>
             </a:fld>
             <a:endParaRPr lang="de-DE" dirty="0"/>
           </a:p>
@@ -1107,7 +1107,7 @@
           <a:p>
             <a:fld id="{FF5B2BAF-DF38-0A48-A798-0C06E514FD52}" type="datetimeFigureOut">
               <a:rPr lang="de-DE" smtClean="0"/>
-              <a:t>27.07.23</a:t>
+              <a:t>09.03.25</a:t>
             </a:fld>
             <a:endParaRPr lang="de-DE" dirty="0"/>
           </a:p>
@@ -1775,78 +1775,118 @@
             <p:ph idx="13"/>
           </p:nvPr>
         </p:nvSpPr>
-        <p:spPr/>
+        <p:spPr>
+          <a:xfrm>
+            <a:off x="858838" y="1568452"/>
+            <a:ext cx="6275130" cy="3547245"/>
+          </a:xfrm>
+        </p:spPr>
         <p:txBody>
           <a:bodyPr>
             <a:noAutofit/>
           </a:bodyPr>
           <a:lstStyle/>
           <a:p>
-            <a:r>
-              <a:rPr lang="de-DE" sz="1200" dirty="0"/>
+            <a:pPr algn="just"/>
+            <a:r>
+              <a:rPr lang="de-DE" sz="1100" dirty="0"/>
               <a:t>"Pair </a:t>
             </a:r>
             <a:r>
-              <a:rPr lang="de-DE" sz="1200" dirty="0" err="1"/>
+              <a:rPr lang="de-DE" sz="1100" dirty="0" err="1"/>
               <a:t>Programming</a:t>
             </a:r>
             <a:r>
-              <a:rPr lang="de-DE" sz="1200" dirty="0"/>
-              <a:t>" ist eine Arbeitstechnik aus der agilen Software-Entwicklung, die für Musiker als "Pair </a:t>
-            </a:r>
-            <a:r>
-              <a:rPr lang="de-DE" sz="1200" dirty="0" err="1"/>
+              <a:rPr lang="de-DE" sz="1100" dirty="0"/>
+              <a:t>" (Jeffries/Andersson/Hendrickson 2001, S. 111) ist eine Arbeitstechnik aus der agilen Software-Entwicklung, die für Musizierende als "Pair </a:t>
+            </a:r>
+            <a:r>
+              <a:rPr lang="de-DE" sz="1100" dirty="0" err="1"/>
               <a:t>Practicing</a:t>
             </a:r>
             <a:r>
-              <a:rPr lang="de-DE" sz="1200" dirty="0"/>
-              <a:t>" übernommen werden kann. Dabei nehmen sich zwei Partner zusammen Zeit fürs Üben, wo normalerweise alleine geübt wird.</a:t>
-            </a:r>
-          </a:p>
-          <a:p>
-            <a:r>
-              <a:rPr lang="de-DE" sz="1200" dirty="0"/>
+              <a:rPr lang="de-DE" sz="1100" dirty="0"/>
+              <a:t>" übernommen werden kann. Dabei nehmen sich zwei Personen zusammen Zeit fürs Üben, wo normalerweise alleine geübt wird.</a:t>
+            </a:r>
+          </a:p>
+          <a:p>
+            <a:pPr algn="just"/>
+            <a:r>
+              <a:rPr lang="de-DE" sz="1100" dirty="0"/>
               <a:t>Die Zeit, die man zu zweit verbringt, ist sehr wertvoll. Es empfiehlt sich vorher ein Ende der Übe-Einheit zu definieren und einen </a:t>
             </a:r>
             <a:r>
-              <a:rPr lang="de-DE" sz="1200" dirty="0" err="1"/>
+              <a:rPr lang="de-DE" sz="1100" dirty="0" err="1"/>
               <a:t>Timer</a:t>
             </a:r>
             <a:r>
-              <a:rPr lang="de-DE" sz="1200" dirty="0"/>
+              <a:rPr lang="de-DE" sz="1100" dirty="0"/>
               <a:t> mitlaufen zu lassen. Es bietet sich an diesen Move mit der Tomatentechnik (siehe TOM 08) zu kombinieren.  </a:t>
             </a:r>
           </a:p>
           <a:p>
-            <a:r>
-              <a:rPr lang="de-DE" sz="1200" dirty="0"/>
-              <a:t>Es gibt verteilte Rollen, die gleichberechtigt sind: Der Pilot führt das Üben aktiv aus und der Navigator sitzt dabei und hört zu. Er unterstützt den Prozess mit seiner Aufmerksamkeit. </a:t>
-            </a:r>
-          </a:p>
-          <a:p>
-            <a:r>
-              <a:rPr lang="de-DE" sz="1200" dirty="0"/>
-              <a:t>Aufgabe des </a:t>
-            </a:r>
-            <a:r>
-              <a:rPr lang="de-DE" sz="1200" dirty="0" err="1"/>
-              <a:t>Pilots</a:t>
-            </a:r>
-            <a:r>
-              <a:rPr lang="de-DE" sz="1200" dirty="0"/>
-              <a:t> ist einfach nur drauf los zu üben, wie er es sonst auch täte.</a:t>
-            </a:r>
-          </a:p>
-          <a:p>
-            <a:r>
-              <a:rPr lang="de-DE" sz="1200" dirty="0"/>
-              <a:t>Der Navigator wohnt dem Üben schweigend bei, beobachtet möglichst wertfrei und schreibt mit, was er erlebt. </a:t>
-            </a:r>
-          </a:p>
-          <a:p>
-            <a:r>
-              <a:rPr lang="de-DE" sz="1200" dirty="0"/>
-              <a:t>Durch die Aufmerksamkeit, die der Navigator dem Piloten beim Üben schenkt, entsteht eine gute Grundspannung, die positive Auswirkungen auf die Qualität, die Effizienz, den Spaß beim Üben und die Verbreitung von Erfahrung und Wissen haben kann.</a:t>
+            <a:pPr algn="just"/>
+            <a:r>
+              <a:rPr lang="de-DE" sz="1100" dirty="0"/>
+              <a:t>Es gibt verteilte Rollen, die gleichberechtigt sind: Die Fahrerin oder der „Fahrer“ (ebd., S. 112) führt das Üben aktiv aus und die Partnerin oder der „Partner“ (ebd., S. 112) sitzt dabei und hört zu. Sie oder er unterstützt den Prozess mit seiner Aufmerksamkeit. </a:t>
+            </a:r>
+          </a:p>
+          <a:p>
+            <a:pPr algn="just"/>
+            <a:r>
+              <a:rPr lang="de-DE" sz="1100" dirty="0"/>
+              <a:t>Aufgabe der Fahrerin oder des Fahrers ist einfach nur drauf los zu üben, wie sonst auch.</a:t>
+            </a:r>
+          </a:p>
+          <a:p>
+            <a:pPr algn="just"/>
+            <a:r>
+              <a:rPr lang="de-DE" sz="1100" dirty="0"/>
+              <a:t>Die Partnerin oder der Partner wohnt dem Üben schweigend bei, beobachtet möglichst wertfrei und schreibt mit, was sie/er erlebt. </a:t>
+            </a:r>
+          </a:p>
+          <a:p>
+            <a:pPr algn="just"/>
+            <a:r>
+              <a:rPr lang="de-DE" sz="1100" dirty="0"/>
+              <a:t>Durch die Aufmerksamkeit, die die/der Partner/in der Fahrerin/dem Fahrer beim Üben schenkt, entsteht eine gute Grundspannung, die positive Auswirkungen auf die Qualität, die Effizienz, den Spaß beim Üben und die Verbreitung von Erfahrung und Wissen haben kann.</a:t>
+            </a:r>
+          </a:p>
+          <a:p>
+            <a:pPr marL="0" indent="0">
+              <a:buNone/>
+            </a:pPr>
+            <a:endParaRPr lang="de-DE" sz="1100" dirty="0"/>
+          </a:p>
+          <a:p>
+            <a:pPr marL="0" indent="0">
+              <a:buNone/>
+            </a:pPr>
+            <a:endParaRPr lang="de-DE" sz="1100" dirty="0"/>
+          </a:p>
+          <a:p>
+            <a:pPr marL="0" indent="0">
+              <a:buNone/>
+            </a:pPr>
+            <a:r>
+              <a:rPr lang="de-DE" sz="800" dirty="0"/>
+              <a:t>Quelle: Jeffries/Andersson/Hendrickson (2001): Extreme </a:t>
+            </a:r>
+            <a:r>
+              <a:rPr lang="de-DE" sz="800" dirty="0" err="1"/>
+              <a:t>Programming</a:t>
+            </a:r>
+            <a:r>
+              <a:rPr lang="de-DE" sz="800" dirty="0"/>
+              <a:t> </a:t>
+            </a:r>
+            <a:r>
+              <a:rPr lang="de-DE" sz="800" dirty="0" err="1"/>
+              <a:t>installed</a:t>
+            </a:r>
+            <a:r>
+              <a:rPr lang="de-DE" sz="800" dirty="0"/>
+              <a:t>. Addison Wesley: München, Boston, San Francisco u.a.</a:t>
             </a:r>
           </a:p>
         </p:txBody>
@@ -1935,7 +1975,7 @@
           <a:p>
             <a:r>
               <a:rPr lang="de-DE" dirty="0"/>
-              <a:t>Der Navigator schreibt mit, was er beobachtet. </a:t>
+              <a:t>Die Partnerin oder der Partner schreibt mit, was sie/er beobachtet. </a:t>
             </a:r>
           </a:p>
           <a:p>
@@ -1947,7 +1987,15 @@
           <a:p>
             <a:r>
               <a:rPr lang="de-DE" dirty="0"/>
-              <a:t>Wechselt die Rollen, sodass innerhalb der 2 Wochen im gleichen Pärchen jeder zweimal Pilot und Navigator war.</a:t>
+              <a:t>Wechselt die Rollen, sodass innerhalb der 2 Wochen im gleichen </a:t>
+            </a:r>
+            <a:r>
+              <a:rPr lang="de-DE"/>
+              <a:t>Pärchen jede/r</a:t>
+            </a:r>
+            <a:r>
+              <a:rPr lang="de-DE" dirty="0"/>
+              <a:t> zweimal Fahrer/in und Partner/in war.</a:t>
             </a:r>
           </a:p>
           <a:p>
